--- a/Agilequestion- Jack.pptx
+++ b/Agilequestion- Jack.pptx
@@ -8,6 +8,7 @@
     <p:sldId id="256" r:id="rId2"/>
     <p:sldId id="257" r:id="rId3"/>
     <p:sldId id="258" r:id="rId4"/>
+    <p:sldId id="259" r:id="rId5"/>
   </p:sldIdLst>
   <p:sldSz cx="12192000" cy="6858000"/>
   <p:notesSz cx="6858000" cy="9144000"/>
@@ -108,7 +109,7 @@
   </p:defaultTextStyle>
   <p:extLst>
     <p:ext uri="{EFAFB233-063F-42B5-8137-9DF3F51BA10A}">
-      <p15:sldGuideLst xmlns:p15="http://schemas.microsoft.com/office/powerpoint/2012/main" xmlns=""/>
+      <p15:sldGuideLst xmlns="" xmlns:p15="http://schemas.microsoft.com/office/powerpoint/2012/main"/>
     </p:ext>
   </p:extLst>
 </p:presentation>
@@ -298,7 +299,7 @@
     </p:spTree>
     <p:extLst>
       <p:ext uri="{BB962C8B-B14F-4D97-AF65-F5344CB8AC3E}">
-        <p14:creationId xmlns:p14="http://schemas.microsoft.com/office/powerpoint/2010/main" xmlns="" val="1731070781"/>
+        <p14:creationId xmlns="" xmlns:p14="http://schemas.microsoft.com/office/powerpoint/2010/main" val="1731070781"/>
       </p:ext>
     </p:extLst>
   </p:cSld>
@@ -470,7 +471,7 @@
     </p:spTree>
     <p:extLst>
       <p:ext uri="{BB962C8B-B14F-4D97-AF65-F5344CB8AC3E}">
-        <p14:creationId xmlns:p14="http://schemas.microsoft.com/office/powerpoint/2010/main" xmlns="" val="1582928432"/>
+        <p14:creationId xmlns="" xmlns:p14="http://schemas.microsoft.com/office/powerpoint/2010/main" val="1582928432"/>
       </p:ext>
     </p:extLst>
   </p:cSld>
@@ -652,7 +653,7 @@
     </p:spTree>
     <p:extLst>
       <p:ext uri="{BB962C8B-B14F-4D97-AF65-F5344CB8AC3E}">
-        <p14:creationId xmlns:p14="http://schemas.microsoft.com/office/powerpoint/2010/main" xmlns="" val="507624719"/>
+        <p14:creationId xmlns="" xmlns:p14="http://schemas.microsoft.com/office/powerpoint/2010/main" val="507624719"/>
       </p:ext>
     </p:extLst>
   </p:cSld>
@@ -824,7 +825,7 @@
     </p:spTree>
     <p:extLst>
       <p:ext uri="{BB962C8B-B14F-4D97-AF65-F5344CB8AC3E}">
-        <p14:creationId xmlns:p14="http://schemas.microsoft.com/office/powerpoint/2010/main" xmlns="" val="1154437453"/>
+        <p14:creationId xmlns="" xmlns:p14="http://schemas.microsoft.com/office/powerpoint/2010/main" val="1154437453"/>
       </p:ext>
     </p:extLst>
   </p:cSld>
@@ -1072,7 +1073,7 @@
     </p:spTree>
     <p:extLst>
       <p:ext uri="{BB962C8B-B14F-4D97-AF65-F5344CB8AC3E}">
-        <p14:creationId xmlns:p14="http://schemas.microsoft.com/office/powerpoint/2010/main" xmlns="" val="3730852277"/>
+        <p14:creationId xmlns="" xmlns:p14="http://schemas.microsoft.com/office/powerpoint/2010/main" val="3730852277"/>
       </p:ext>
     </p:extLst>
   </p:cSld>
@@ -1306,7 +1307,7 @@
     </p:spTree>
     <p:extLst>
       <p:ext uri="{BB962C8B-B14F-4D97-AF65-F5344CB8AC3E}">
-        <p14:creationId xmlns:p14="http://schemas.microsoft.com/office/powerpoint/2010/main" xmlns="" val="188269967"/>
+        <p14:creationId xmlns="" xmlns:p14="http://schemas.microsoft.com/office/powerpoint/2010/main" val="188269967"/>
       </p:ext>
     </p:extLst>
   </p:cSld>
@@ -1675,7 +1676,7 @@
     </p:spTree>
     <p:extLst>
       <p:ext uri="{BB962C8B-B14F-4D97-AF65-F5344CB8AC3E}">
-        <p14:creationId xmlns:p14="http://schemas.microsoft.com/office/powerpoint/2010/main" xmlns="" val="2607393332"/>
+        <p14:creationId xmlns="" xmlns:p14="http://schemas.microsoft.com/office/powerpoint/2010/main" val="2607393332"/>
       </p:ext>
     </p:extLst>
   </p:cSld>
@@ -1795,7 +1796,7 @@
     </p:spTree>
     <p:extLst>
       <p:ext uri="{BB962C8B-B14F-4D97-AF65-F5344CB8AC3E}">
-        <p14:creationId xmlns:p14="http://schemas.microsoft.com/office/powerpoint/2010/main" xmlns="" val="806778956"/>
+        <p14:creationId xmlns="" xmlns:p14="http://schemas.microsoft.com/office/powerpoint/2010/main" val="806778956"/>
       </p:ext>
     </p:extLst>
   </p:cSld>
@@ -1892,7 +1893,7 @@
     </p:spTree>
     <p:extLst>
       <p:ext uri="{BB962C8B-B14F-4D97-AF65-F5344CB8AC3E}">
-        <p14:creationId xmlns:p14="http://schemas.microsoft.com/office/powerpoint/2010/main" xmlns="" val="3649515"/>
+        <p14:creationId xmlns="" xmlns:p14="http://schemas.microsoft.com/office/powerpoint/2010/main" val="3649515"/>
       </p:ext>
     </p:extLst>
   </p:cSld>
@@ -2171,7 +2172,7 @@
     </p:spTree>
     <p:extLst>
       <p:ext uri="{BB962C8B-B14F-4D97-AF65-F5344CB8AC3E}">
-        <p14:creationId xmlns:p14="http://schemas.microsoft.com/office/powerpoint/2010/main" xmlns="" val="1119495317"/>
+        <p14:creationId xmlns="" xmlns:p14="http://schemas.microsoft.com/office/powerpoint/2010/main" val="1119495317"/>
       </p:ext>
     </p:extLst>
   </p:cSld>
@@ -2426,7 +2427,7 @@
     </p:spTree>
     <p:extLst>
       <p:ext uri="{BB962C8B-B14F-4D97-AF65-F5344CB8AC3E}">
-        <p14:creationId xmlns:p14="http://schemas.microsoft.com/office/powerpoint/2010/main" xmlns="" val="2796832853"/>
+        <p14:creationId xmlns="" xmlns:p14="http://schemas.microsoft.com/office/powerpoint/2010/main" val="2796832853"/>
       </p:ext>
     </p:extLst>
   </p:cSld>
@@ -2677,7 +2678,7 @@
     </p:spTree>
     <p:extLst>
       <p:ext uri="{BB962C8B-B14F-4D97-AF65-F5344CB8AC3E}">
-        <p14:creationId xmlns:p14="http://schemas.microsoft.com/office/powerpoint/2010/main" xmlns="" val="892285391"/>
+        <p14:creationId xmlns="" xmlns:p14="http://schemas.microsoft.com/office/powerpoint/2010/main" val="892285391"/>
       </p:ext>
     </p:extLst>
   </p:cSld>
@@ -3081,7 +3082,7 @@
     </p:spTree>
     <p:extLst>
       <p:ext uri="{BB962C8B-B14F-4D97-AF65-F5344CB8AC3E}">
-        <p14:creationId xmlns:p14="http://schemas.microsoft.com/office/powerpoint/2010/main" xmlns="" val="3229191298"/>
+        <p14:creationId xmlns="" xmlns:p14="http://schemas.microsoft.com/office/powerpoint/2010/main" val="3229191298"/>
       </p:ext>
     </p:extLst>
   </p:cSld>
@@ -3126,11 +3127,7 @@
             <a:pPr algn="ctr"/>
             <a:r>
               <a:rPr lang="en-GB" b="1" dirty="0" smtClean="0"/>
-              <a:t>Key R</a:t>
-            </a:r>
-            <a:r>
-              <a:rPr lang="en-GB" b="1" dirty="0" smtClean="0"/>
-              <a:t>esearch Findings</a:t>
+              <a:t>Key Research Findings</a:t>
             </a:r>
             <a:r>
               <a:rPr lang="en-GB" dirty="0"/>
@@ -3166,15 +3163,7 @@
             </a:pPr>
             <a:r>
               <a:rPr lang="en-GB" b="1" dirty="0" smtClean="0"/>
-              <a:t>4 Different types </a:t>
-            </a:r>
-            <a:r>
-              <a:rPr lang="en-GB" b="1" dirty="0" smtClean="0"/>
-              <a:t>of Prioritisation </a:t>
-            </a:r>
-            <a:r>
-              <a:rPr lang="en-GB" b="1" dirty="0" smtClean="0"/>
-              <a:t>Methods used in Agile Development</a:t>
+              <a:t>4 Different types of Prioritisation Methods used in Agile Development</a:t>
             </a:r>
           </a:p>
           <a:p>
@@ -3249,7 +3238,7 @@
     </p:spTree>
     <p:extLst>
       <p:ext uri="{BB962C8B-B14F-4D97-AF65-F5344CB8AC3E}">
-        <p14:creationId xmlns:p14="http://schemas.microsoft.com/office/powerpoint/2010/main" xmlns="" val="3977857130"/>
+        <p14:creationId xmlns="" xmlns:p14="http://schemas.microsoft.com/office/powerpoint/2010/main" val="3977857130"/>
       </p:ext>
     </p:extLst>
   </p:cSld>
@@ -3404,9 +3393,519 @@
     </p:spTree>
     <p:extLst>
       <p:ext uri="{BB962C8B-B14F-4D97-AF65-F5344CB8AC3E}">
-        <p14:creationId xmlns:p14="http://schemas.microsoft.com/office/powerpoint/2010/main" xmlns="" val="3606958153"/>
+        <p14:creationId xmlns="" xmlns:p14="http://schemas.microsoft.com/office/powerpoint/2010/main" val="3606958153"/>
       </p:ext>
     </p:extLst>
+  </p:cSld>
+  <p:clrMapOvr>
+    <a:masterClrMapping/>
+  </p:clrMapOvr>
+</p:sld>
+</file>
+
+<file path=ppt/slides/slide4.xml><?xml version="1.0" encoding="utf-8"?>
+<p:sld xmlns:a="http://schemas.openxmlformats.org/drawingml/2006/main" xmlns:r="http://schemas.openxmlformats.org/officeDocument/2006/relationships" xmlns:p="http://schemas.openxmlformats.org/presentationml/2006/main">
+  <p:cSld>
+    <p:spTree>
+      <p:nvGrpSpPr>
+        <p:cNvPr id="1" name=""/>
+        <p:cNvGrpSpPr/>
+        <p:nvPr/>
+      </p:nvGrpSpPr>
+      <p:grpSpPr>
+        <a:xfrm>
+          <a:off x="0" y="0"/>
+          <a:ext cx="0" cy="0"/>
+          <a:chOff x="0" y="0"/>
+          <a:chExt cx="0" cy="0"/>
+        </a:xfrm>
+      </p:grpSpPr>
+      <p:sp>
+        <p:nvSpPr>
+          <p:cNvPr id="2" name="Title 1"/>
+          <p:cNvSpPr>
+            <a:spLocks noGrp="1"/>
+          </p:cNvSpPr>
+          <p:nvPr>
+            <p:ph type="title"/>
+          </p:nvPr>
+        </p:nvSpPr>
+        <p:spPr/>
+        <p:txBody>
+          <a:bodyPr/>
+          <a:lstStyle/>
+          <a:p>
+            <a:pPr algn="ctr"/>
+            <a:r>
+              <a:rPr lang="en-GB" b="1" dirty="0" smtClean="0"/>
+              <a:t>Sources</a:t>
+            </a:r>
+            <a:endParaRPr lang="en-GB" b="1" dirty="0"/>
+          </a:p>
+        </p:txBody>
+      </p:sp>
+      <p:sp>
+        <p:nvSpPr>
+          <p:cNvPr id="3" name="Content Placeholder 2"/>
+          <p:cNvSpPr>
+            <a:spLocks noGrp="1"/>
+          </p:cNvSpPr>
+          <p:nvPr>
+            <p:ph idx="1"/>
+          </p:nvPr>
+        </p:nvSpPr>
+        <p:spPr/>
+        <p:txBody>
+          <a:bodyPr>
+            <a:normAutofit fontScale="55000" lnSpcReduction="20000"/>
+          </a:bodyPr>
+          <a:lstStyle/>
+          <a:p>
+            <a:r>
+              <a:rPr lang="en-GB" dirty="0" smtClean="0"/>
+              <a:t>Source 1 - </a:t>
+            </a:r>
+            <a:r>
+              <a:rPr lang="en-GB" dirty="0" smtClean="0">
+                <a:hlinkClick r:id="rId2"/>
+              </a:rPr>
+              <a:t>http://dl.acm.org.ezproxy.falmouth.ac.uk/citation.cfm?id=1878453&amp;CFID=847729908&amp;CFTOKEN=82475301</a:t>
+            </a:r>
+            <a:r>
+              <a:rPr lang="en-GB" dirty="0" smtClean="0"/>
+              <a:t> Fabio </a:t>
+            </a:r>
+            <a:r>
+              <a:rPr lang="en-GB" dirty="0" err="1" smtClean="0"/>
+              <a:t>Petrillo</a:t>
+            </a:r>
+            <a:r>
+              <a:rPr lang="en-GB" dirty="0" smtClean="0"/>
+              <a:t> and Marcelo </a:t>
+            </a:r>
+            <a:r>
+              <a:rPr lang="en-GB" dirty="0" err="1" smtClean="0"/>
+              <a:t>Pimenta</a:t>
+            </a:r>
+            <a:r>
+              <a:rPr lang="en-GB" dirty="0" smtClean="0"/>
+              <a:t>. </a:t>
+            </a:r>
+            <a:r>
+              <a:rPr lang="en-GB" b="1" dirty="0" smtClean="0"/>
+              <a:t>"Is agility out there?: agile practices in game development"</a:t>
+            </a:r>
+            <a:r>
+              <a:rPr lang="en-GB" dirty="0" smtClean="0"/>
+              <a:t> presented at the 28th ACM International Conference on Design of Communication, Federal University of Rio Grande do </a:t>
+            </a:r>
+            <a:r>
+              <a:rPr lang="en-GB" dirty="0" err="1" smtClean="0"/>
+              <a:t>Sul</a:t>
+            </a:r>
+            <a:r>
+              <a:rPr lang="en-GB" dirty="0" smtClean="0"/>
+              <a:t> (UFRGS), Porto </a:t>
+            </a:r>
+            <a:r>
+              <a:rPr lang="en-GB" dirty="0" err="1" smtClean="0"/>
+              <a:t>Alegre</a:t>
+            </a:r>
+            <a:r>
+              <a:rPr lang="en-GB" dirty="0" smtClean="0"/>
+              <a:t>, Brazil, 2010, pages 9-15</a:t>
+            </a:r>
+          </a:p>
+          <a:p>
+            <a:r>
+              <a:rPr lang="en-GB" dirty="0" smtClean="0"/>
+              <a:t>Source 2 - </a:t>
+            </a:r>
+            <a:r>
+              <a:rPr lang="en-GB" dirty="0" smtClean="0">
+                <a:hlinkClick r:id="rId3"/>
+              </a:rPr>
+              <a:t>http://dl.acm.org.ezproxy.falmouth.ac.uk/citation.cfm?id=1274969&amp;CFID=847729908&amp;CFTOKEN=82475301</a:t>
+            </a:r>
+            <a:r>
+              <a:rPr lang="en-GB" dirty="0" smtClean="0"/>
+              <a:t> </a:t>
+            </a:r>
+            <a:r>
+              <a:rPr lang="en-GB" dirty="0" err="1" smtClean="0"/>
+              <a:t>Elina</a:t>
+            </a:r>
+            <a:r>
+              <a:rPr lang="en-GB" dirty="0" smtClean="0"/>
+              <a:t> M. I. </a:t>
+            </a:r>
+            <a:r>
+              <a:rPr lang="en-GB" dirty="0" err="1" smtClean="0"/>
+              <a:t>Koivisto</a:t>
+            </a:r>
+            <a:r>
+              <a:rPr lang="en-GB" dirty="0" smtClean="0"/>
+              <a:t> and </a:t>
+            </a:r>
+            <a:r>
+              <a:rPr lang="en-GB" dirty="0" err="1" smtClean="0"/>
+              <a:t>Riku</a:t>
+            </a:r>
+            <a:r>
+              <a:rPr lang="en-GB" dirty="0" smtClean="0"/>
+              <a:t> </a:t>
+            </a:r>
+            <a:r>
+              <a:rPr lang="en-GB" dirty="0" err="1" smtClean="0"/>
+              <a:t>Suomela</a:t>
+            </a:r>
+            <a:r>
+              <a:rPr lang="en-GB" dirty="0" smtClean="0"/>
+              <a:t>. </a:t>
+            </a:r>
+            <a:r>
+              <a:rPr lang="en-GB" b="1" dirty="0" smtClean="0"/>
+              <a:t>"Using prototypes in early pervasive game development"</a:t>
+            </a:r>
+            <a:r>
+              <a:rPr lang="en-GB" dirty="0" smtClean="0"/>
+              <a:t> presented at the 2007 ACM SIGGRAPH symposium on Video games, Nokia Research </a:t>
+            </a:r>
+            <a:r>
+              <a:rPr lang="en-GB" dirty="0" err="1" smtClean="0"/>
+              <a:t>Center</a:t>
+            </a:r>
+            <a:r>
+              <a:rPr lang="en-GB" dirty="0" smtClean="0"/>
+              <a:t>, Tampere Finland, 2007, pages 149-156</a:t>
+            </a:r>
+          </a:p>
+          <a:p>
+            <a:r>
+              <a:rPr lang="en-GB" dirty="0" smtClean="0"/>
+              <a:t>Source 3 - </a:t>
+            </a:r>
+            <a:r>
+              <a:rPr lang="en-GB" dirty="0" smtClean="0">
+                <a:hlinkClick r:id="rId4"/>
+              </a:rPr>
+              <a:t>http://ieeexplore.ieee.org.ezproxy.falmouth.ac.uk/document/6916626/</a:t>
+            </a:r>
+            <a:r>
+              <a:rPr lang="en-GB" dirty="0" smtClean="0"/>
+              <a:t> </a:t>
+            </a:r>
+            <a:r>
+              <a:rPr lang="en-GB" dirty="0" err="1" smtClean="0"/>
+              <a:t>Rula</a:t>
+            </a:r>
+            <a:r>
+              <a:rPr lang="en-GB" dirty="0" smtClean="0"/>
+              <a:t> Al-</a:t>
+            </a:r>
+            <a:r>
+              <a:rPr lang="en-GB" dirty="0" err="1" smtClean="0"/>
+              <a:t>azawi</a:t>
+            </a:r>
+            <a:r>
+              <a:rPr lang="en-GB" dirty="0" smtClean="0"/>
+              <a:t>, Aladdin </a:t>
+            </a:r>
+            <a:r>
+              <a:rPr lang="en-GB" dirty="0" err="1" smtClean="0"/>
+              <a:t>Ayesh</a:t>
+            </a:r>
+            <a:r>
+              <a:rPr lang="en-GB" dirty="0" smtClean="0"/>
+              <a:t> and </a:t>
+            </a:r>
+            <a:r>
+              <a:rPr lang="en-GB" dirty="0" err="1" smtClean="0"/>
+              <a:t>Mohaned</a:t>
+            </a:r>
+            <a:r>
+              <a:rPr lang="en-GB" dirty="0" smtClean="0"/>
+              <a:t> Al. </a:t>
+            </a:r>
+            <a:r>
+              <a:rPr lang="en-GB" dirty="0" err="1" smtClean="0"/>
+              <a:t>Obaidy</a:t>
+            </a:r>
+            <a:r>
+              <a:rPr lang="en-GB" dirty="0" smtClean="0"/>
+              <a:t> </a:t>
+            </a:r>
+            <a:r>
+              <a:rPr lang="en-GB" b="1" dirty="0" smtClean="0"/>
+              <a:t>"Towards Agent-based Agile approach for Game Development Methodology"</a:t>
+            </a:r>
+            <a:r>
+              <a:rPr lang="en-GB" dirty="0" smtClean="0"/>
+              <a:t> presented at 2014 World Congress on Computer Applications and Information Systems (WCCAIS), El </a:t>
+            </a:r>
+            <a:r>
+              <a:rPr lang="en-GB" dirty="0" err="1" smtClean="0"/>
+              <a:t>Mouradi</a:t>
+            </a:r>
+            <a:r>
+              <a:rPr lang="en-GB" dirty="0" smtClean="0"/>
+              <a:t> </a:t>
+            </a:r>
+            <a:r>
+              <a:rPr lang="en-GB" dirty="0" err="1" smtClean="0"/>
+              <a:t>Hammamet</a:t>
+            </a:r>
+            <a:r>
+              <a:rPr lang="en-GB" dirty="0" smtClean="0"/>
+              <a:t> 5 </a:t>
+            </a:r>
+            <a:r>
+              <a:rPr lang="en-GB" dirty="0" err="1" smtClean="0"/>
+              <a:t>Yasmine</a:t>
+            </a:r>
+            <a:r>
+              <a:rPr lang="en-GB" dirty="0" smtClean="0"/>
+              <a:t> </a:t>
+            </a:r>
+            <a:r>
+              <a:rPr lang="en-GB" dirty="0" err="1" smtClean="0"/>
+              <a:t>Hammamet</a:t>
+            </a:r>
+            <a:r>
+              <a:rPr lang="en-GB" dirty="0" smtClean="0"/>
+              <a:t>, </a:t>
+            </a:r>
+            <a:r>
+              <a:rPr lang="en-GB" dirty="0" err="1" smtClean="0"/>
+              <a:t>Hammamet</a:t>
+            </a:r>
+            <a:r>
+              <a:rPr lang="en-GB" dirty="0" smtClean="0"/>
+              <a:t>, Tunisia, 2014</a:t>
+            </a:r>
+          </a:p>
+          <a:p>
+            <a:r>
+              <a:rPr lang="en-GB" dirty="0" smtClean="0"/>
+              <a:t>Source 4 - </a:t>
+            </a:r>
+            <a:r>
+              <a:rPr lang="en-GB" dirty="0" smtClean="0">
+                <a:hlinkClick r:id="rId5"/>
+              </a:rPr>
+              <a:t>http://ieeexplore.ieee.org.ezproxy.falmouth.ac.uk/document/6781336/</a:t>
+            </a:r>
+            <a:r>
+              <a:rPr lang="en-GB" dirty="0" smtClean="0"/>
+              <a:t> </a:t>
+            </a:r>
+            <a:r>
+              <a:rPr lang="en-GB" dirty="0" err="1" smtClean="0"/>
+              <a:t>Rashmi</a:t>
+            </a:r>
+            <a:r>
+              <a:rPr lang="en-GB" dirty="0" smtClean="0"/>
+              <a:t> </a:t>
+            </a:r>
+            <a:r>
+              <a:rPr lang="en-GB" dirty="0" err="1" smtClean="0"/>
+              <a:t>Popli</a:t>
+            </a:r>
+            <a:r>
+              <a:rPr lang="en-GB" dirty="0" smtClean="0"/>
+              <a:t>, </a:t>
+            </a:r>
+            <a:r>
+              <a:rPr lang="en-GB" dirty="0" err="1" smtClean="0"/>
+              <a:t>Naresh</a:t>
+            </a:r>
+            <a:r>
+              <a:rPr lang="en-GB" dirty="0" smtClean="0"/>
+              <a:t> </a:t>
+            </a:r>
+            <a:r>
+              <a:rPr lang="en-GB" dirty="0" err="1" smtClean="0"/>
+              <a:t>Chauhan</a:t>
+            </a:r>
+            <a:r>
+              <a:rPr lang="en-GB" dirty="0" smtClean="0"/>
+              <a:t>, </a:t>
+            </a:r>
+            <a:r>
+              <a:rPr lang="en-GB" dirty="0" err="1" smtClean="0"/>
+              <a:t>Hemant</a:t>
+            </a:r>
+            <a:r>
+              <a:rPr lang="en-GB" dirty="0" smtClean="0"/>
+              <a:t> Sharma. </a:t>
+            </a:r>
+            <a:r>
+              <a:rPr lang="en-GB" b="1" dirty="0" smtClean="0"/>
+              <a:t>"Prioritising user stories in agile environment"</a:t>
+            </a:r>
+            <a:r>
+              <a:rPr lang="en-GB" dirty="0" smtClean="0"/>
+              <a:t> Issues and Challenges in Intelligent Computing Techniques (ICICT), 2014 International Conference on, 7-8 Feb 2014</a:t>
+            </a:r>
+          </a:p>
+          <a:p>
+            <a:r>
+              <a:rPr lang="en-GB" dirty="0" smtClean="0"/>
+              <a:t>Source 5 - </a:t>
+            </a:r>
+            <a:r>
+              <a:rPr lang="en-GB" dirty="0" smtClean="0">
+                <a:hlinkClick r:id="rId6"/>
+              </a:rPr>
+              <a:t>http://ieeexplore.ieee.org.ezproxy.falmouth.ac.uk/document/7100629/</a:t>
+            </a:r>
+            <a:r>
+              <a:rPr lang="en-GB" dirty="0" smtClean="0"/>
+              <a:t> </a:t>
+            </a:r>
+            <a:r>
+              <a:rPr lang="en-GB" dirty="0" err="1" smtClean="0"/>
+              <a:t>Vinod</a:t>
+            </a:r>
+            <a:r>
+              <a:rPr lang="en-GB" dirty="0" smtClean="0"/>
+              <a:t> Kumar </a:t>
+            </a:r>
+            <a:r>
+              <a:rPr lang="en-GB" dirty="0" err="1" smtClean="0"/>
+              <a:t>Chauhan</a:t>
+            </a:r>
+            <a:r>
+              <a:rPr lang="en-GB" dirty="0" smtClean="0"/>
+              <a:t>. </a:t>
+            </a:r>
+            <a:r>
+              <a:rPr lang="en-GB" b="1" dirty="0" smtClean="0"/>
+              <a:t>"How to reduce user story reopen count in Scrum development?"</a:t>
+            </a:r>
+            <a:r>
+              <a:rPr lang="en-GB" dirty="0" smtClean="0"/>
+              <a:t> presented at Computing for Sustainable Global Development (</a:t>
+            </a:r>
+            <a:r>
+              <a:rPr lang="en-GB" dirty="0" err="1" smtClean="0"/>
+              <a:t>INDIACom</a:t>
+            </a:r>
+            <a:r>
+              <a:rPr lang="en-GB" dirty="0" smtClean="0"/>
+              <a:t>), 2015 2nd International Conference on, 11-13th March 2014</a:t>
+            </a:r>
+          </a:p>
+          <a:p>
+            <a:r>
+              <a:rPr lang="en-GB" dirty="0" smtClean="0"/>
+              <a:t>Source 6 - </a:t>
+            </a:r>
+            <a:r>
+              <a:rPr lang="en-GB" dirty="0" smtClean="0">
+                <a:hlinkClick r:id="rId7"/>
+              </a:rPr>
+              <a:t>http://ieeexplore.ieee.org.ezproxy.falmouth.ac.uk/document/7320415/</a:t>
+            </a:r>
+            <a:r>
+              <a:rPr lang="en-GB" dirty="0" smtClean="0"/>
+              <a:t> </a:t>
+            </a:r>
+            <a:r>
+              <a:rPr lang="en-GB" dirty="0" err="1" smtClean="0"/>
+              <a:t>Garm</a:t>
+            </a:r>
+            <a:r>
+              <a:rPr lang="en-GB" dirty="0" smtClean="0"/>
+              <a:t> </a:t>
+            </a:r>
+            <a:r>
+              <a:rPr lang="en-GB" dirty="0" err="1" smtClean="0"/>
+              <a:t>Lucassen</a:t>
+            </a:r>
+            <a:r>
+              <a:rPr lang="en-GB" dirty="0" smtClean="0"/>
+              <a:t>, </a:t>
+            </a:r>
+            <a:r>
+              <a:rPr lang="en-GB" dirty="0" err="1" smtClean="0"/>
+              <a:t>Fabiano</a:t>
+            </a:r>
+            <a:r>
+              <a:rPr lang="en-GB" dirty="0" smtClean="0"/>
+              <a:t> </a:t>
+            </a:r>
+            <a:r>
+              <a:rPr lang="en-GB" dirty="0" err="1" smtClean="0"/>
+              <a:t>Dalpiaz</a:t>
+            </a:r>
+            <a:r>
+              <a:rPr lang="en-GB" dirty="0" smtClean="0"/>
+              <a:t>, Jan </a:t>
+            </a:r>
+            <a:r>
+              <a:rPr lang="en-GB" dirty="0" err="1" smtClean="0"/>
+              <a:t>Martijn</a:t>
+            </a:r>
+            <a:r>
+              <a:rPr lang="en-GB" dirty="0" smtClean="0"/>
+              <a:t> E.M. van </a:t>
+            </a:r>
+            <a:r>
+              <a:rPr lang="en-GB" dirty="0" err="1" smtClean="0"/>
+              <a:t>der</a:t>
+            </a:r>
+            <a:r>
+              <a:rPr lang="en-GB" dirty="0" smtClean="0"/>
+              <a:t> </a:t>
+            </a:r>
+            <a:r>
+              <a:rPr lang="en-GB" dirty="0" err="1" smtClean="0"/>
+              <a:t>Werf</a:t>
+            </a:r>
+            <a:r>
+              <a:rPr lang="en-GB" dirty="0" smtClean="0"/>
+              <a:t>, </a:t>
+            </a:r>
+            <a:r>
+              <a:rPr lang="en-GB" dirty="0" err="1" smtClean="0"/>
+              <a:t>Sjaak</a:t>
+            </a:r>
+            <a:r>
+              <a:rPr lang="en-GB" dirty="0" smtClean="0"/>
+              <a:t> </a:t>
+            </a:r>
+            <a:r>
+              <a:rPr lang="en-GB" dirty="0" err="1" smtClean="0"/>
+              <a:t>Brinkkemper</a:t>
+            </a:r>
+            <a:r>
+              <a:rPr lang="en-GB" dirty="0" smtClean="0"/>
+              <a:t>. </a:t>
+            </a:r>
+            <a:r>
+              <a:rPr lang="en-GB" b="1" dirty="0" smtClean="0"/>
+              <a:t>"Forging high-quality User Stories: Towards a discipline for Agile </a:t>
+            </a:r>
+            <a:r>
+              <a:rPr lang="en-GB" b="1" dirty="0" err="1" smtClean="0"/>
+              <a:t>Requirements"</a:t>
+            </a:r>
+            <a:r>
+              <a:rPr lang="en-GB" dirty="0" err="1" smtClean="0"/>
+              <a:t>presented</a:t>
+            </a:r>
+            <a:r>
+              <a:rPr lang="en-GB" dirty="0" smtClean="0"/>
+              <a:t> at Requirements Engineering Conference (RE), 2015 IEEE 23rd International, 24-28 Aug. 2015</a:t>
+            </a:r>
+          </a:p>
+          <a:p>
+            <a:endParaRPr lang="en-GB" dirty="0"/>
+          </a:p>
+        </p:txBody>
+      </p:sp>
+    </p:spTree>
   </p:cSld>
   <p:clrMapOvr>
     <a:masterClrMapping/>
@@ -3703,7 +4202,7 @@
   <a:extraClrSchemeLst/>
   <a:extLst>
     <a:ext uri="{05A4C25C-085E-4340-85A3-A5531E510DB2}">
-      <thm15:themeFamily xmlns:thm15="http://schemas.microsoft.com/office/thememl/2012/main" xmlns="" name="Office Theme" id="{62F939B6-93AF-4DB8-9C6B-D6C7DFDC589F}" vid="{4A3C46E8-61CC-4603-A589-7422A47A8E4A}"/>
+      <thm15:themeFamily xmlns="" xmlns:thm15="http://schemas.microsoft.com/office/thememl/2012/main" name="Office Theme" id="{62F939B6-93AF-4DB8-9C6B-D6C7DFDC589F}" vid="{4A3C46E8-61CC-4603-A589-7422A47A8E4A}"/>
     </a:ext>
   </a:extLst>
 </a:theme>
